--- a/AnalyticsInADay/intro.pptx
+++ b/AnalyticsInADay/intro.pptx
@@ -119,10 +119,8 @@
 <file path=ppt/revisionInfo.xml><?xml version="1.0" encoding="utf-8"?>
 <p1510:revInfo xmlns:a="http://schemas.openxmlformats.org/drawingml/2006/main" xmlns:r="http://schemas.openxmlformats.org/officeDocument/2006/relationships" xmlns:p1510="http://schemas.microsoft.com/office/powerpoint/2015/10/main">
   <p1510:revLst>
-    <p1510:client id="{0D686806-C716-49C5-AD85-25B433C78486}" v="8" dt="2020-01-15T20:09:46.731"/>
-    <p1510:client id="{6C3920FA-7E58-4304-B82B-1AA938236995}" v="33" dt="2020-01-15T20:12:12.250"/>
-    <p1510:client id="{87B7F946-7CEE-41AA-8C01-1B644D78D975}" v="148" dt="2020-01-15T20:51:35.116"/>
-    <p1510:client id="{F215BBA8-66BD-4CDC-937D-3C7E4F8D4F62}" v="25" dt="2020-01-16T07:43:39.767"/>
+    <p1510:client id="{BCBCB8B0-8A80-4D1D-A9A3-45DCCD09F67C}" v="70" dt="2020-03-02T20:18:54.014"/>
+    <p1510:client id="{C47F8E15-34BB-45DD-A40F-A11735B445AB}" v="27" dt="2020-03-02T19:44:35.607"/>
   </p1510:revLst>
 </p1510:revInfo>
 </file>
@@ -130,84 +128,20 @@
 <file path=ppt/changesInfos/changesInfo1.xml><?xml version="1.0" encoding="utf-8"?>
 <pc:chgInfo xmlns:a="http://schemas.openxmlformats.org/drawingml/2006/main" xmlns:r="http://schemas.openxmlformats.org/officeDocument/2006/relationships" xmlns:ac="http://schemas.microsoft.com/office/drawing/2013/main/command" xmlns:pc="http://schemas.microsoft.com/office/powerpoint/2013/main/command">
   <pc:docChgLst>
-    <pc:chgData name="Jan Remko Yntema" userId="28e249b1-e544-4155-9e8e-dd70c09b8d93" providerId="ADAL" clId="{F215BBA8-66BD-4CDC-937D-3C7E4F8D4F62}"/>
-    <pc:docChg chg="modSld">
-      <pc:chgData name="Jan Remko Yntema" userId="28e249b1-e544-4155-9e8e-dd70c09b8d93" providerId="ADAL" clId="{F215BBA8-66BD-4CDC-937D-3C7E4F8D4F62}" dt="2020-01-16T07:43:50.902" v="27" actId="1076"/>
+    <pc:chgData name="Joost van Rossum" userId="bc0355e6-5db7-4dcc-9855-193167254bb3" providerId="ADAL" clId="{C47F8E15-34BB-45DD-A40F-A11735B445AB}"/>
+    <pc:docChg chg="custSel modSld">
+      <pc:chgData name="Joost van Rossum" userId="bc0355e6-5db7-4dcc-9855-193167254bb3" providerId="ADAL" clId="{C47F8E15-34BB-45DD-A40F-A11735B445AB}" dt="2020-03-02T19:44:35.607" v="89" actId="1076"/>
       <pc:docMkLst>
         <pc:docMk/>
       </pc:docMkLst>
       <pc:sldChg chg="modSp modAnim">
-        <pc:chgData name="Jan Remko Yntema" userId="28e249b1-e544-4155-9e8e-dd70c09b8d93" providerId="ADAL" clId="{F215BBA8-66BD-4CDC-937D-3C7E4F8D4F62}" dt="2020-01-16T07:43:50.902" v="27" actId="1076"/>
+        <pc:chgData name="Joost van Rossum" userId="bc0355e6-5db7-4dcc-9855-193167254bb3" providerId="ADAL" clId="{C47F8E15-34BB-45DD-A40F-A11735B445AB}" dt="2020-03-02T19:20:01.567" v="7"/>
         <pc:sldMkLst>
           <pc:docMk/>
           <pc:sldMk cId="32685536" sldId="266"/>
         </pc:sldMkLst>
         <pc:spChg chg="mod">
-          <ac:chgData name="Jan Remko Yntema" userId="28e249b1-e544-4155-9e8e-dd70c09b8d93" providerId="ADAL" clId="{F215BBA8-66BD-4CDC-937D-3C7E4F8D4F62}" dt="2020-01-16T07:43:39.767" v="24" actId="20577"/>
-          <ac:spMkLst>
-            <pc:docMk/>
-            <pc:sldMk cId="32685536" sldId="266"/>
-            <ac:spMk id="6" creationId="{6812949B-BB4D-4AEB-8F38-36707C47C95F}"/>
-          </ac:spMkLst>
-        </pc:spChg>
-        <pc:picChg chg="mod">
-          <ac:chgData name="Jan Remko Yntema" userId="28e249b1-e544-4155-9e8e-dd70c09b8d93" providerId="ADAL" clId="{F215BBA8-66BD-4CDC-937D-3C7E4F8D4F62}" dt="2020-01-16T07:43:50.902" v="27" actId="1076"/>
-          <ac:picMkLst>
-            <pc:docMk/>
-            <pc:sldMk cId="32685536" sldId="266"/>
-            <ac:picMk id="9" creationId="{184B84CD-BAD9-4DE4-9C15-30237729D992}"/>
-          </ac:picMkLst>
-        </pc:picChg>
-        <pc:picChg chg="mod">
-          <ac:chgData name="Jan Remko Yntema" userId="28e249b1-e544-4155-9e8e-dd70c09b8d93" providerId="ADAL" clId="{F215BBA8-66BD-4CDC-937D-3C7E4F8D4F62}" dt="2020-01-16T07:43:48.382" v="26" actId="1076"/>
-          <ac:picMkLst>
-            <pc:docMk/>
-            <pc:sldMk cId="32685536" sldId="266"/>
-            <ac:picMk id="14" creationId="{6527C3FA-D162-41B9-ADA2-05B631CA126A}"/>
-          </ac:picMkLst>
-        </pc:picChg>
-      </pc:sldChg>
-    </pc:docChg>
-  </pc:docChgLst>
-  <pc:docChgLst>
-    <pc:chgData name="Joost van Rossum" userId="S::jvanrossum@ilionx.com::bc0355e6-5db7-4dcc-9855-193167254bb3" providerId="AD" clId="Web-{0D686806-C716-49C5-AD85-25B433C78486}"/>
-    <pc:docChg chg="modSld">
-      <pc:chgData name="Joost van Rossum" userId="S::jvanrossum@ilionx.com::bc0355e6-5db7-4dcc-9855-193167254bb3" providerId="AD" clId="Web-{0D686806-C716-49C5-AD85-25B433C78486}" dt="2020-01-15T20:09:46.731" v="7" actId="20577"/>
-      <pc:docMkLst>
-        <pc:docMk/>
-      </pc:docMkLst>
-      <pc:sldChg chg="modSp">
-        <pc:chgData name="Joost van Rossum" userId="S::jvanrossum@ilionx.com::bc0355e6-5db7-4dcc-9855-193167254bb3" providerId="AD" clId="Web-{0D686806-C716-49C5-AD85-25B433C78486}" dt="2020-01-15T20:09:46.731" v="7" actId="20577"/>
-        <pc:sldMkLst>
-          <pc:docMk/>
-          <pc:sldMk cId="2915308148" sldId="267"/>
-        </pc:sldMkLst>
-        <pc:spChg chg="mod">
-          <ac:chgData name="Joost van Rossum" userId="S::jvanrossum@ilionx.com::bc0355e6-5db7-4dcc-9855-193167254bb3" providerId="AD" clId="Web-{0D686806-C716-49C5-AD85-25B433C78486}" dt="2020-01-15T20:09:46.731" v="7" actId="20577"/>
-          <ac:spMkLst>
-            <pc:docMk/>
-            <pc:sldMk cId="2915308148" sldId="267"/>
-            <ac:spMk id="6" creationId="{6812949B-BB4D-4AEB-8F38-36707C47C95F}"/>
-          </ac:spMkLst>
-        </pc:spChg>
-      </pc:sldChg>
-    </pc:docChg>
-  </pc:docChgLst>
-  <pc:docChgLst>
-    <pc:chgData name="Joost van Rossum" userId="S::jvanrossum@ilionx.com::bc0355e6-5db7-4dcc-9855-193167254bb3" providerId="AD" clId="Web-{6C3920FA-7E58-4304-B82B-1AA938236995}"/>
-    <pc:docChg chg="modSld">
-      <pc:chgData name="Joost van Rossum" userId="S::jvanrossum@ilionx.com::bc0355e6-5db7-4dcc-9855-193167254bb3" providerId="AD" clId="Web-{6C3920FA-7E58-4304-B82B-1AA938236995}" dt="2020-01-15T20:12:05.610" v="29" actId="20577"/>
-      <pc:docMkLst>
-        <pc:docMk/>
-      </pc:docMkLst>
-      <pc:sldChg chg="modSp">
-        <pc:chgData name="Joost van Rossum" userId="S::jvanrossum@ilionx.com::bc0355e6-5db7-4dcc-9855-193167254bb3" providerId="AD" clId="Web-{6C3920FA-7E58-4304-B82B-1AA938236995}" dt="2020-01-15T20:10:32.141" v="1" actId="20577"/>
-        <pc:sldMkLst>
-          <pc:docMk/>
-          <pc:sldMk cId="32685536" sldId="266"/>
-        </pc:sldMkLst>
-        <pc:spChg chg="mod">
-          <ac:chgData name="Joost van Rossum" userId="S::jvanrossum@ilionx.com::bc0355e6-5db7-4dcc-9855-193167254bb3" providerId="AD" clId="Web-{6C3920FA-7E58-4304-B82B-1AA938236995}" dt="2020-01-15T20:10:32.141" v="1" actId="20577"/>
+          <ac:chgData name="Joost van Rossum" userId="bc0355e6-5db7-4dcc-9855-193167254bb3" providerId="ADAL" clId="{C47F8E15-34BB-45DD-A40F-A11735B445AB}" dt="2020-03-02T19:19:03.779" v="0" actId="14100"/>
           <ac:spMkLst>
             <pc:docMk/>
             <pc:sldMk cId="32685536" sldId="266"/>
@@ -215,18 +149,88 @@
           </ac:spMkLst>
         </pc:spChg>
       </pc:sldChg>
-      <pc:sldChg chg="modSp">
-        <pc:chgData name="Joost van Rossum" userId="S::jvanrossum@ilionx.com::bc0355e6-5db7-4dcc-9855-193167254bb3" providerId="AD" clId="Web-{6C3920FA-7E58-4304-B82B-1AA938236995}" dt="2020-01-15T20:12:05.610" v="29" actId="20577"/>
+      <pc:sldChg chg="addSp delSp modSp modAnim">
+        <pc:chgData name="Joost van Rossum" userId="bc0355e6-5db7-4dcc-9855-193167254bb3" providerId="ADAL" clId="{C47F8E15-34BB-45DD-A40F-A11735B445AB}" dt="2020-03-02T19:20:51.573" v="12"/>
         <pc:sldMkLst>
           <pc:docMk/>
           <pc:sldMk cId="2915308148" sldId="267"/>
         </pc:sldMkLst>
+        <pc:picChg chg="del">
+          <ac:chgData name="Joost van Rossum" userId="bc0355e6-5db7-4dcc-9855-193167254bb3" providerId="ADAL" clId="{C47F8E15-34BB-45DD-A40F-A11735B445AB}" dt="2020-03-02T19:20:39.816" v="10" actId="478"/>
+          <ac:picMkLst>
+            <pc:docMk/>
+            <pc:sldMk cId="2915308148" sldId="267"/>
+            <ac:picMk id="5" creationId="{52BEDBB4-F265-4FF6-926F-1653ED8B6FA2}"/>
+          </ac:picMkLst>
+        </pc:picChg>
+        <pc:picChg chg="add ord">
+          <ac:chgData name="Joost van Rossum" userId="bc0355e6-5db7-4dcc-9855-193167254bb3" providerId="ADAL" clId="{C47F8E15-34BB-45DD-A40F-A11735B445AB}" dt="2020-03-02T19:20:37.153" v="9" actId="167"/>
+          <ac:picMkLst>
+            <pc:docMk/>
+            <pc:sldMk cId="2915308148" sldId="267"/>
+            <ac:picMk id="12" creationId="{9AB8EF0B-5802-425B-8065-D50BF5210783}"/>
+          </ac:picMkLst>
+        </pc:picChg>
+      </pc:sldChg>
+      <pc:sldChg chg="modSp">
+        <pc:chgData name="Joost van Rossum" userId="bc0355e6-5db7-4dcc-9855-193167254bb3" providerId="ADAL" clId="{C47F8E15-34BB-45DD-A40F-A11735B445AB}" dt="2020-03-02T19:32:17.904" v="84" actId="6549"/>
+        <pc:sldMkLst>
+          <pc:docMk/>
+          <pc:sldMk cId="2381360421" sldId="268"/>
+        </pc:sldMkLst>
         <pc:spChg chg="mod">
-          <ac:chgData name="Joost van Rossum" userId="S::jvanrossum@ilionx.com::bc0355e6-5db7-4dcc-9855-193167254bb3" providerId="AD" clId="Web-{6C3920FA-7E58-4304-B82B-1AA938236995}" dt="2020-01-15T20:12:05.610" v="29" actId="20577"/>
+          <ac:chgData name="Joost van Rossum" userId="bc0355e6-5db7-4dcc-9855-193167254bb3" providerId="ADAL" clId="{C47F8E15-34BB-45DD-A40F-A11735B445AB}" dt="2020-03-02T19:32:17.904" v="84" actId="6549"/>
           <ac:spMkLst>
             <pc:docMk/>
-            <pc:sldMk cId="2915308148" sldId="267"/>
-            <ac:spMk id="6" creationId="{6812949B-BB4D-4AEB-8F38-36707C47C95F}"/>
+            <pc:sldMk cId="2381360421" sldId="268"/>
+            <ac:spMk id="9" creationId="{63057FFA-B8D9-4071-8D49-5BADD1FB919B}"/>
+          </ac:spMkLst>
+        </pc:spChg>
+      </pc:sldChg>
+      <pc:sldChg chg="addSp delSp modSp">
+        <pc:chgData name="Joost van Rossum" userId="bc0355e6-5db7-4dcc-9855-193167254bb3" providerId="ADAL" clId="{C47F8E15-34BB-45DD-A40F-A11735B445AB}" dt="2020-03-02T19:44:35.607" v="89" actId="1076"/>
+        <pc:sldMkLst>
+          <pc:docMk/>
+          <pc:sldMk cId="1790283830" sldId="271"/>
+        </pc:sldMkLst>
+        <pc:picChg chg="add mod">
+          <ac:chgData name="Joost van Rossum" userId="bc0355e6-5db7-4dcc-9855-193167254bb3" providerId="ADAL" clId="{C47F8E15-34BB-45DD-A40F-A11735B445AB}" dt="2020-03-02T19:44:35.607" v="89" actId="1076"/>
+          <ac:picMkLst>
+            <pc:docMk/>
+            <pc:sldMk cId="1790283830" sldId="271"/>
+            <ac:picMk id="2" creationId="{F0E5E754-6A53-4E60-A12E-C411AC9788CF}"/>
+          </ac:picMkLst>
+        </pc:picChg>
+        <pc:picChg chg="del">
+          <ac:chgData name="Joost van Rossum" userId="bc0355e6-5db7-4dcc-9855-193167254bb3" providerId="ADAL" clId="{C47F8E15-34BB-45DD-A40F-A11735B445AB}" dt="2020-03-02T19:44:28.115" v="85" actId="478"/>
+          <ac:picMkLst>
+            <pc:docMk/>
+            <pc:sldMk cId="1790283830" sldId="271"/>
+            <ac:picMk id="1026" creationId="{89442983-7C62-49AC-BE98-35B027DF40DB}"/>
+          </ac:picMkLst>
+        </pc:picChg>
+      </pc:sldChg>
+    </pc:docChg>
+  </pc:docChgLst>
+  <pc:docChgLst>
+    <pc:chgData name="Jan Remko Yntema" userId="S::jryntema@ilionx.com::28e249b1-e544-4155-9e8e-dd70c09b8d93" providerId="AD" clId="Web-{BCBCB8B0-8A80-4D1D-A9A3-45DCCD09F67C}"/>
+    <pc:docChg chg="modSld">
+      <pc:chgData name="Jan Remko Yntema" userId="S::jryntema@ilionx.com::28e249b1-e544-4155-9e8e-dd70c09b8d93" providerId="AD" clId="Web-{BCBCB8B0-8A80-4D1D-A9A3-45DCCD09F67C}" dt="2020-03-02T20:18:54.014" v="69" actId="20577"/>
+      <pc:docMkLst>
+        <pc:docMk/>
+      </pc:docMkLst>
+      <pc:sldChg chg="modSp">
+        <pc:chgData name="Jan Remko Yntema" userId="S::jryntema@ilionx.com::28e249b1-e544-4155-9e8e-dd70c09b8d93" providerId="AD" clId="Web-{BCBCB8B0-8A80-4D1D-A9A3-45DCCD09F67C}" dt="2020-03-02T20:18:54.014" v="68" actId="20577"/>
+        <pc:sldMkLst>
+          <pc:docMk/>
+          <pc:sldMk cId="3965751642" sldId="270"/>
+        </pc:sldMkLst>
+        <pc:spChg chg="mod">
+          <ac:chgData name="Jan Remko Yntema" userId="S::jryntema@ilionx.com::28e249b1-e544-4155-9e8e-dd70c09b8d93" providerId="AD" clId="Web-{BCBCB8B0-8A80-4D1D-A9A3-45DCCD09F67C}" dt="2020-03-02T20:18:54.014" v="68" actId="20577"/>
+          <ac:spMkLst>
+            <pc:docMk/>
+            <pc:sldMk cId="3965751642" sldId="270"/>
+            <ac:spMk id="9" creationId="{63057FFA-B8D9-4071-8D49-5BADD1FB919B}"/>
           </ac:spMkLst>
         </pc:spChg>
       </pc:sldChg>
@@ -412,6 +416,109 @@
       </pc:sldChg>
     </pc:docChg>
   </pc:docChgLst>
+  <pc:docChgLst>
+    <pc:chgData name="Jan Remko Yntema" userId="28e249b1-e544-4155-9e8e-dd70c09b8d93" providerId="ADAL" clId="{F215BBA8-66BD-4CDC-937D-3C7E4F8D4F62}"/>
+    <pc:docChg chg="modSld">
+      <pc:chgData name="Jan Remko Yntema" userId="28e249b1-e544-4155-9e8e-dd70c09b8d93" providerId="ADAL" clId="{F215BBA8-66BD-4CDC-937D-3C7E4F8D4F62}" dt="2020-01-16T07:43:50.902" v="27" actId="1076"/>
+      <pc:docMkLst>
+        <pc:docMk/>
+      </pc:docMkLst>
+      <pc:sldChg chg="modSp modAnim">
+        <pc:chgData name="Jan Remko Yntema" userId="28e249b1-e544-4155-9e8e-dd70c09b8d93" providerId="ADAL" clId="{F215BBA8-66BD-4CDC-937D-3C7E4F8D4F62}" dt="2020-01-16T07:43:50.902" v="27" actId="1076"/>
+        <pc:sldMkLst>
+          <pc:docMk/>
+          <pc:sldMk cId="32685536" sldId="266"/>
+        </pc:sldMkLst>
+        <pc:spChg chg="mod">
+          <ac:chgData name="Jan Remko Yntema" userId="28e249b1-e544-4155-9e8e-dd70c09b8d93" providerId="ADAL" clId="{F215BBA8-66BD-4CDC-937D-3C7E4F8D4F62}" dt="2020-01-16T07:43:39.767" v="24" actId="20577"/>
+          <ac:spMkLst>
+            <pc:docMk/>
+            <pc:sldMk cId="32685536" sldId="266"/>
+            <ac:spMk id="6" creationId="{6812949B-BB4D-4AEB-8F38-36707C47C95F}"/>
+          </ac:spMkLst>
+        </pc:spChg>
+        <pc:picChg chg="mod">
+          <ac:chgData name="Jan Remko Yntema" userId="28e249b1-e544-4155-9e8e-dd70c09b8d93" providerId="ADAL" clId="{F215BBA8-66BD-4CDC-937D-3C7E4F8D4F62}" dt="2020-01-16T07:43:50.902" v="27" actId="1076"/>
+          <ac:picMkLst>
+            <pc:docMk/>
+            <pc:sldMk cId="32685536" sldId="266"/>
+            <ac:picMk id="9" creationId="{184B84CD-BAD9-4DE4-9C15-30237729D992}"/>
+          </ac:picMkLst>
+        </pc:picChg>
+        <pc:picChg chg="mod">
+          <ac:chgData name="Jan Remko Yntema" userId="28e249b1-e544-4155-9e8e-dd70c09b8d93" providerId="ADAL" clId="{F215BBA8-66BD-4CDC-937D-3C7E4F8D4F62}" dt="2020-01-16T07:43:48.382" v="26" actId="1076"/>
+          <ac:picMkLst>
+            <pc:docMk/>
+            <pc:sldMk cId="32685536" sldId="266"/>
+            <ac:picMk id="14" creationId="{6527C3FA-D162-41B9-ADA2-05B631CA126A}"/>
+          </ac:picMkLst>
+        </pc:picChg>
+      </pc:sldChg>
+    </pc:docChg>
+  </pc:docChgLst>
+  <pc:docChgLst>
+    <pc:chgData name="Joost van Rossum" userId="S::jvanrossum@ilionx.com::bc0355e6-5db7-4dcc-9855-193167254bb3" providerId="AD" clId="Web-{0D686806-C716-49C5-AD85-25B433C78486}"/>
+    <pc:docChg chg="modSld">
+      <pc:chgData name="Joost van Rossum" userId="S::jvanrossum@ilionx.com::bc0355e6-5db7-4dcc-9855-193167254bb3" providerId="AD" clId="Web-{0D686806-C716-49C5-AD85-25B433C78486}" dt="2020-01-15T20:09:46.731" v="7" actId="20577"/>
+      <pc:docMkLst>
+        <pc:docMk/>
+      </pc:docMkLst>
+      <pc:sldChg chg="modSp">
+        <pc:chgData name="Joost van Rossum" userId="S::jvanrossum@ilionx.com::bc0355e6-5db7-4dcc-9855-193167254bb3" providerId="AD" clId="Web-{0D686806-C716-49C5-AD85-25B433C78486}" dt="2020-01-15T20:09:46.731" v="7" actId="20577"/>
+        <pc:sldMkLst>
+          <pc:docMk/>
+          <pc:sldMk cId="2915308148" sldId="267"/>
+        </pc:sldMkLst>
+        <pc:spChg chg="mod">
+          <ac:chgData name="Joost van Rossum" userId="S::jvanrossum@ilionx.com::bc0355e6-5db7-4dcc-9855-193167254bb3" providerId="AD" clId="Web-{0D686806-C716-49C5-AD85-25B433C78486}" dt="2020-01-15T20:09:46.731" v="7" actId="20577"/>
+          <ac:spMkLst>
+            <pc:docMk/>
+            <pc:sldMk cId="2915308148" sldId="267"/>
+            <ac:spMk id="6" creationId="{6812949B-BB4D-4AEB-8F38-36707C47C95F}"/>
+          </ac:spMkLst>
+        </pc:spChg>
+      </pc:sldChg>
+    </pc:docChg>
+  </pc:docChgLst>
+  <pc:docChgLst>
+    <pc:chgData name="Joost van Rossum" userId="S::jvanrossum@ilionx.com::bc0355e6-5db7-4dcc-9855-193167254bb3" providerId="AD" clId="Web-{6C3920FA-7E58-4304-B82B-1AA938236995}"/>
+    <pc:docChg chg="modSld">
+      <pc:chgData name="Joost van Rossum" userId="S::jvanrossum@ilionx.com::bc0355e6-5db7-4dcc-9855-193167254bb3" providerId="AD" clId="Web-{6C3920FA-7E58-4304-B82B-1AA938236995}" dt="2020-01-15T20:12:05.610" v="29" actId="20577"/>
+      <pc:docMkLst>
+        <pc:docMk/>
+      </pc:docMkLst>
+      <pc:sldChg chg="modSp">
+        <pc:chgData name="Joost van Rossum" userId="S::jvanrossum@ilionx.com::bc0355e6-5db7-4dcc-9855-193167254bb3" providerId="AD" clId="Web-{6C3920FA-7E58-4304-B82B-1AA938236995}" dt="2020-01-15T20:10:32.141" v="1" actId="20577"/>
+        <pc:sldMkLst>
+          <pc:docMk/>
+          <pc:sldMk cId="32685536" sldId="266"/>
+        </pc:sldMkLst>
+        <pc:spChg chg="mod">
+          <ac:chgData name="Joost van Rossum" userId="S::jvanrossum@ilionx.com::bc0355e6-5db7-4dcc-9855-193167254bb3" providerId="AD" clId="Web-{6C3920FA-7E58-4304-B82B-1AA938236995}" dt="2020-01-15T20:10:32.141" v="1" actId="20577"/>
+          <ac:spMkLst>
+            <pc:docMk/>
+            <pc:sldMk cId="32685536" sldId="266"/>
+            <ac:spMk id="6" creationId="{6812949B-BB4D-4AEB-8F38-36707C47C95F}"/>
+          </ac:spMkLst>
+        </pc:spChg>
+      </pc:sldChg>
+      <pc:sldChg chg="modSp">
+        <pc:chgData name="Joost van Rossum" userId="S::jvanrossum@ilionx.com::bc0355e6-5db7-4dcc-9855-193167254bb3" providerId="AD" clId="Web-{6C3920FA-7E58-4304-B82B-1AA938236995}" dt="2020-01-15T20:12:05.610" v="29" actId="20577"/>
+        <pc:sldMkLst>
+          <pc:docMk/>
+          <pc:sldMk cId="2915308148" sldId="267"/>
+        </pc:sldMkLst>
+        <pc:spChg chg="mod">
+          <ac:chgData name="Joost van Rossum" userId="S::jvanrossum@ilionx.com::bc0355e6-5db7-4dcc-9855-193167254bb3" providerId="AD" clId="Web-{6C3920FA-7E58-4304-B82B-1AA938236995}" dt="2020-01-15T20:12:05.610" v="29" actId="20577"/>
+          <ac:spMkLst>
+            <pc:docMk/>
+            <pc:sldMk cId="2915308148" sldId="267"/>
+            <ac:spMk id="6" creationId="{6812949B-BB4D-4AEB-8F38-36707C47C95F}"/>
+          </ac:spMkLst>
+        </pc:spChg>
+      </pc:sldChg>
+    </pc:docChg>
+  </pc:docChgLst>
 </pc:chgInfo>
 </file>
 
@@ -564,7 +671,7 @@
           <a:p>
             <a:fld id="{DC1DB0A2-BEDC-4F48-B4D9-0BFBCB4CB4C4}" type="datetimeFigureOut">
               <a:rPr lang="en-NL" smtClean="0"/>
-              <a:t>16/01/2020</a:t>
+              <a:t>03/02/2020</a:t>
             </a:fld>
             <a:endParaRPr lang="en-NL"/>
           </a:p>
@@ -764,7 +871,7 @@
           <a:p>
             <a:fld id="{DC1DB0A2-BEDC-4F48-B4D9-0BFBCB4CB4C4}" type="datetimeFigureOut">
               <a:rPr lang="en-NL" smtClean="0"/>
-              <a:t>16/01/2020</a:t>
+              <a:t>03/02/2020</a:t>
             </a:fld>
             <a:endParaRPr lang="en-NL"/>
           </a:p>
@@ -974,7 +1081,7 @@
           <a:p>
             <a:fld id="{DC1DB0A2-BEDC-4F48-B4D9-0BFBCB4CB4C4}" type="datetimeFigureOut">
               <a:rPr lang="en-NL" smtClean="0"/>
-              <a:t>16/01/2020</a:t>
+              <a:t>03/02/2020</a:t>
             </a:fld>
             <a:endParaRPr lang="en-NL"/>
           </a:p>
@@ -1245,7 +1352,7 @@
           <a:p>
             <a:fld id="{DC1DB0A2-BEDC-4F48-B4D9-0BFBCB4CB4C4}" type="datetimeFigureOut">
               <a:rPr lang="en-NL" smtClean="0"/>
-              <a:t>16/01/2020</a:t>
+              <a:t>03/02/2020</a:t>
             </a:fld>
             <a:endParaRPr lang="en-NL"/>
           </a:p>
@@ -1521,7 +1628,7 @@
           <a:p>
             <a:fld id="{DC1DB0A2-BEDC-4F48-B4D9-0BFBCB4CB4C4}" type="datetimeFigureOut">
               <a:rPr lang="en-NL" smtClean="0"/>
-              <a:t>16/01/2020</a:t>
+              <a:t>03/02/2020</a:t>
             </a:fld>
             <a:endParaRPr lang="en-NL"/>
           </a:p>
@@ -1789,7 +1896,7 @@
           <a:p>
             <a:fld id="{DC1DB0A2-BEDC-4F48-B4D9-0BFBCB4CB4C4}" type="datetimeFigureOut">
               <a:rPr lang="en-NL" smtClean="0"/>
-              <a:t>16/01/2020</a:t>
+              <a:t>03/02/2020</a:t>
             </a:fld>
             <a:endParaRPr lang="en-NL"/>
           </a:p>
@@ -2204,7 +2311,7 @@
           <a:p>
             <a:fld id="{DC1DB0A2-BEDC-4F48-B4D9-0BFBCB4CB4C4}" type="datetimeFigureOut">
               <a:rPr lang="en-NL" smtClean="0"/>
-              <a:t>16/01/2020</a:t>
+              <a:t>03/02/2020</a:t>
             </a:fld>
             <a:endParaRPr lang="en-NL"/>
           </a:p>
@@ -2346,7 +2453,7 @@
           <a:p>
             <a:fld id="{DC1DB0A2-BEDC-4F48-B4D9-0BFBCB4CB4C4}" type="datetimeFigureOut">
               <a:rPr lang="en-NL" smtClean="0"/>
-              <a:t>16/01/2020</a:t>
+              <a:t>03/02/2020</a:t>
             </a:fld>
             <a:endParaRPr lang="en-NL"/>
           </a:p>
@@ -2459,7 +2566,7 @@
           <a:p>
             <a:fld id="{DC1DB0A2-BEDC-4F48-B4D9-0BFBCB4CB4C4}" type="datetimeFigureOut">
               <a:rPr lang="en-NL" smtClean="0"/>
-              <a:t>16/01/2020</a:t>
+              <a:t>03/02/2020</a:t>
             </a:fld>
             <a:endParaRPr lang="en-NL"/>
           </a:p>
@@ -2772,7 +2879,7 @@
           <a:p>
             <a:fld id="{DC1DB0A2-BEDC-4F48-B4D9-0BFBCB4CB4C4}" type="datetimeFigureOut">
               <a:rPr lang="en-NL" smtClean="0"/>
-              <a:t>16/01/2020</a:t>
+              <a:t>03/02/2020</a:t>
             </a:fld>
             <a:endParaRPr lang="en-NL"/>
           </a:p>
@@ -3061,7 +3168,7 @@
           <a:p>
             <a:fld id="{DC1DB0A2-BEDC-4F48-B4D9-0BFBCB4CB4C4}" type="datetimeFigureOut">
               <a:rPr lang="en-NL" smtClean="0"/>
-              <a:t>16/01/2020</a:t>
+              <a:t>03/02/2020</a:t>
             </a:fld>
             <a:endParaRPr lang="en-NL"/>
           </a:p>
@@ -3304,7 +3411,7 @@
           <a:p>
             <a:fld id="{DC1DB0A2-BEDC-4F48-B4D9-0BFBCB4CB4C4}" type="datetimeFigureOut">
               <a:rPr lang="en-NL" smtClean="0"/>
-              <a:t>16/01/2020</a:t>
+              <a:t>03/02/2020</a:t>
             </a:fld>
             <a:endParaRPr lang="en-NL"/>
           </a:p>
@@ -4000,7 +4107,7 @@
         <p:spPr>
           <a:xfrm>
             <a:off x="2438400" y="579476"/>
-            <a:ext cx="11346399" cy="4208106"/>
+            <a:ext cx="9581965" cy="4208106"/>
           </a:xfrm>
           <a:prstGeom prst="rect">
             <a:avLst/>
@@ -4178,7 +4285,7 @@
               <a:buChar char="•"/>
             </a:pPr>
             <a:r>
-              <a:rPr lang="en-US" sz="3600" dirty="0"/>
+              <a:rPr lang="en-US" sz="3600"/>
               <a:t>Jan Remko Yntema</a:t>
             </a:r>
           </a:p>
@@ -4188,7 +4295,7 @@
               <a:buChar char="•"/>
             </a:pPr>
             <a:r>
-              <a:rPr lang="en-US" sz="3600" dirty="0"/>
+              <a:rPr lang="en-US" sz="3600"/>
               <a:t>Working for ilionx since 2014</a:t>
             </a:r>
           </a:p>
@@ -4198,7 +4305,7 @@
               <a:buChar char="•"/>
             </a:pPr>
             <a:r>
-              <a:rPr lang="en-US" sz="3600" dirty="0">
+              <a:rPr lang="en-US" sz="3600">
                 <a:cs typeface="Calibri"/>
               </a:rPr>
               <a:t>SQL Server since 1999</a:t>
@@ -4210,20 +4317,20 @@
               <a:buChar char="•"/>
             </a:pPr>
             <a:r>
-              <a:rPr lang="en-US" sz="3600" dirty="0"/>
+              <a:rPr lang="en-US" sz="3600"/>
               <a:t>Microsoft Data Warehouse Consultant</a:t>
             </a:r>
             <a:br>
-              <a:rPr lang="en-US" sz="3600" dirty="0"/>
+              <a:rPr lang="en-US" sz="3600"/>
             </a:br>
             <a:r>
-              <a:rPr lang="en-US" sz="3600" dirty="0"/>
+              <a:rPr lang="en-US" sz="3600"/>
               <a:t>since 2008</a:t>
             </a:r>
             <a:br>
-              <a:rPr lang="en-US" sz="3600" dirty="0"/>
+              <a:rPr lang="en-US" sz="3600"/>
             </a:br>
-            <a:endParaRPr lang="en-US" sz="900" dirty="0"/>
+            <a:endParaRPr lang="en-US" sz="900"/>
           </a:p>
           <a:p>
             <a:pPr marL="571500" lvl="0" indent="-571500">
@@ -4231,7 +4338,7 @@
               <a:buChar char="•"/>
             </a:pPr>
             <a:r>
-              <a:rPr lang="en-US" sz="3200" dirty="0"/>
+              <a:rPr lang="en-US" sz="3200"/>
               <a:t>www.linkedin.com/in/jryntema</a:t>
             </a:r>
           </a:p>
@@ -4241,21 +4348,21 @@
               <a:buChar char="•"/>
             </a:pPr>
             <a:r>
-              <a:rPr lang="en-US" sz="3200" dirty="0"/>
+              <a:rPr lang="en-US" sz="3200"/>
               <a:t>Microsoft Certified Trainer since 2008</a:t>
             </a:r>
-            <a:endParaRPr lang="en-US" sz="3600" dirty="0"/>
+            <a:endParaRPr lang="en-US" sz="3600"/>
           </a:p>
           <a:p>
             <a:pPr marL="571500" lvl="0" indent="-571500">
               <a:buFont typeface="Arial" panose="020B0604020202020204" pitchFamily="34" charset="0"/>
               <a:buChar char="•"/>
             </a:pPr>
-            <a:endParaRPr lang="en-US" sz="1200" dirty="0"/>
+            <a:endParaRPr lang="en-US" sz="1200"/>
           </a:p>
           <a:p>
             <a:pPr lvl="0"/>
-            <a:endParaRPr lang="x-none" sz="3600" dirty="0"/>
+            <a:endParaRPr lang="x-none" sz="3600"/>
           </a:p>
         </p:txBody>
       </p:sp>
@@ -4317,6 +4424,9 @@
                     <p:cTn id="3" fill="hold">
                       <p:stCondLst>
                         <p:cond delay="indefinite"/>
+                        <p:cond evt="onBegin" delay="0">
+                          <p:tn val="2"/>
+                        </p:cond>
                       </p:stCondLst>
                       <p:childTnLst>
                         <p:par>
@@ -4326,7 +4436,7 @@
                             </p:stCondLst>
                             <p:childTnLst>
                               <p:par>
-                                <p:cTn id="5" presetID="1" presetClass="entr" presetSubtype="0" fill="hold" nodeType="clickEffect">
+                                <p:cTn id="5" presetID="1" presetClass="entr" presetSubtype="0" fill="hold" nodeType="withEffect">
                                   <p:stCondLst>
                                     <p:cond delay="0"/>
                                   </p:stCondLst>
@@ -4356,26 +4466,39 @@
                                   </p:childTnLst>
                                 </p:cTn>
                               </p:par>
-                            </p:childTnLst>
-                          </p:cTn>
-                        </p:par>
-                      </p:childTnLst>
-                    </p:cTn>
-                  </p:par>
-                  <p:par>
-                    <p:cTn id="7" fill="hold">
-                      <p:stCondLst>
-                        <p:cond delay="indefinite"/>
-                      </p:stCondLst>
-                      <p:childTnLst>
-                        <p:par>
-                          <p:cTn id="8" fill="hold">
-                            <p:stCondLst>
-                              <p:cond delay="0"/>
-                            </p:stCondLst>
-                            <p:childTnLst>
                               <p:par>
-                                <p:cTn id="9" presetID="1" presetClass="entr" presetSubtype="0" fill="hold" nodeType="clickEffect">
+                                <p:cTn id="7" presetID="1" presetClass="entr" presetSubtype="0" fill="hold" nodeType="withEffect">
+                                  <p:stCondLst>
+                                    <p:cond delay="0"/>
+                                  </p:stCondLst>
+                                  <p:childTnLst>
+                                    <p:set>
+                                      <p:cBhvr>
+                                        <p:cTn id="8" dur="1" fill="hold">
+                                          <p:stCondLst>
+                                            <p:cond delay="0"/>
+                                          </p:stCondLst>
+                                        </p:cTn>
+                                        <p:tgtEl>
+                                          <p:spTgt spid="6">
+                                            <p:txEl>
+                                              <p:pRg st="2" end="2"/>
+                                            </p:txEl>
+                                          </p:spTgt>
+                                        </p:tgtEl>
+                                        <p:attrNameLst>
+                                          <p:attrName>style.visibility</p:attrName>
+                                        </p:attrNameLst>
+                                      </p:cBhvr>
+                                      <p:to>
+                                        <p:strVal val="visible"/>
+                                      </p:to>
+                                    </p:set>
+                                  </p:childTnLst>
+                                </p:cTn>
+                              </p:par>
+                              <p:par>
+                                <p:cTn id="9" presetID="1" presetClass="entr" presetSubtype="0" fill="hold" nodeType="withEffect">
                                   <p:stCondLst>
                                     <p:cond delay="0"/>
                                   </p:stCondLst>
@@ -4390,7 +4513,7 @@
                                         <p:tgtEl>
                                           <p:spTgt spid="6">
                                             <p:txEl>
-                                              <p:pRg st="2" end="2"/>
+                                              <p:pRg st="3" end="3"/>
                                             </p:txEl>
                                           </p:spTgt>
                                         </p:tgtEl>
@@ -4439,7 +4562,7 @@
                                         <p:tgtEl>
                                           <p:spTgt spid="6">
                                             <p:txEl>
-                                              <p:pRg st="3" end="3"/>
+                                              <p:pRg st="4" end="4"/>
                                             </p:txEl>
                                           </p:spTgt>
                                         </p:tgtEl>
@@ -4470,7 +4593,7 @@
                                         <p:tgtEl>
                                           <p:spTgt spid="6">
                                             <p:txEl>
-                                              <p:pRg st="4" end="4"/>
+                                              <p:pRg st="5" end="5"/>
                                             </p:txEl>
                                           </p:spTgt>
                                         </p:tgtEl>
@@ -4494,37 +4617,6 @@
                                     <p:set>
                                       <p:cBhvr>
                                         <p:cTn id="18" dur="1" fill="hold">
-                                          <p:stCondLst>
-                                            <p:cond delay="0"/>
-                                          </p:stCondLst>
-                                        </p:cTn>
-                                        <p:tgtEl>
-                                          <p:spTgt spid="6">
-                                            <p:txEl>
-                                              <p:pRg st="5" end="5"/>
-                                            </p:txEl>
-                                          </p:spTgt>
-                                        </p:tgtEl>
-                                        <p:attrNameLst>
-                                          <p:attrName>style.visibility</p:attrName>
-                                        </p:attrNameLst>
-                                      </p:cBhvr>
-                                      <p:to>
-                                        <p:strVal val="visible"/>
-                                      </p:to>
-                                    </p:set>
-                                  </p:childTnLst>
-                                </p:cTn>
-                              </p:par>
-                              <p:par>
-                                <p:cTn id="19" presetID="1" presetClass="entr" presetSubtype="0" fill="hold" nodeType="withEffect">
-                                  <p:stCondLst>
-                                    <p:cond delay="0"/>
-                                  </p:stCondLst>
-                                  <p:childTnLst>
-                                    <p:set>
-                                      <p:cBhvr>
-                                        <p:cTn id="20" dur="1" fill="hold">
                                           <p:stCondLst>
                                             <p:cond delay="0"/>
                                           </p:stCondLst>
@@ -4591,6 +4683,36 @@
           <a:chExt cx="0" cy="0"/>
         </a:xfrm>
       </p:grpSpPr>
+      <p:pic>
+        <p:nvPicPr>
+          <p:cNvPr id="12" name="Picture 11">
+            <a:extLst>
+              <a:ext uri="{FF2B5EF4-FFF2-40B4-BE49-F238E27FC236}">
+                <a16:creationId xmlns:a16="http://schemas.microsoft.com/office/drawing/2014/main" id="{9AB8EF0B-5802-425B-8065-D50BF5210783}"/>
+              </a:ext>
+            </a:extLst>
+          </p:cNvPr>
+          <p:cNvPicPr>
+            <a:picLocks noChangeAspect="1"/>
+          </p:cNvPicPr>
+          <p:nvPr/>
+        </p:nvPicPr>
+        <p:blipFill>
+          <a:blip r:embed="rId2"/>
+          <a:stretch>
+            <a:fillRect/>
+          </a:stretch>
+        </p:blipFill>
+        <p:spPr>
+          <a:xfrm>
+            <a:off x="469165" y="492483"/>
+            <a:ext cx="1911432" cy="1905266"/>
+          </a:xfrm>
+          <a:prstGeom prst="rect">
+            <a:avLst/>
+          </a:prstGeom>
+        </p:spPr>
+      </p:pic>
       <p:sp>
         <p:nvSpPr>
           <p:cNvPr id="3" name="Tijdelijke aanduiding voor tekst 2">
@@ -4786,36 +4908,6 @@
           </a:p>
         </p:txBody>
       </p:sp>
-      <p:pic>
-        <p:nvPicPr>
-          <p:cNvPr id="5" name="Joost">
-            <a:extLst>
-              <a:ext uri="{FF2B5EF4-FFF2-40B4-BE49-F238E27FC236}">
-                <a16:creationId xmlns:a16="http://schemas.microsoft.com/office/drawing/2014/main" id="{52BEDBB4-F265-4FF6-926F-1653ED8B6FA2}"/>
-              </a:ext>
-            </a:extLst>
-          </p:cNvPr>
-          <p:cNvPicPr>
-            <a:picLocks noChangeAspect="1"/>
-          </p:cNvPicPr>
-          <p:nvPr/>
-        </p:nvPicPr>
-        <p:blipFill>
-          <a:blip r:embed="rId2"/>
-          <a:stretch>
-            <a:fillRect/>
-          </a:stretch>
-        </p:blipFill>
-        <p:spPr>
-          <a:xfrm>
-            <a:off x="457811" y="492483"/>
-            <a:ext cx="1905266" cy="1905266"/>
-          </a:xfrm>
-          <a:prstGeom prst="rect">
-            <a:avLst/>
-          </a:prstGeom>
-        </p:spPr>
-      </p:pic>
       <p:sp>
         <p:nvSpPr>
           <p:cNvPr id="6" name="Tijdelijke aanduiding voor tekst 2">
@@ -5011,7 +5103,7 @@
               <a:buChar char="•"/>
             </a:pPr>
             <a:r>
-              <a:rPr lang="en-US" sz="3600" dirty="0"/>
+              <a:rPr lang="en-US" sz="3600"/>
               <a:t>Joost van Rossum</a:t>
             </a:r>
           </a:p>
@@ -5021,10 +5113,10 @@
               <a:buChar char="•"/>
             </a:pPr>
             <a:r>
-              <a:rPr lang="en-US" sz="3600" dirty="0"/>
+              <a:rPr lang="en-US" sz="3600"/>
               <a:t>Working for ilionx since 2010</a:t>
             </a:r>
-            <a:endParaRPr lang="en-US" sz="3600" dirty="0">
+            <a:endParaRPr lang="en-US" sz="3600">
               <a:cs typeface="Calibri"/>
             </a:endParaRPr>
           </a:p>
@@ -5034,20 +5126,20 @@
               <a:buChar char="•"/>
             </a:pPr>
             <a:r>
-              <a:rPr lang="en-US" sz="3600" dirty="0"/>
+              <a:rPr lang="en-US" sz="3600"/>
               <a:t>Microsoft Data Warehouse Consultant</a:t>
             </a:r>
             <a:br>
-              <a:rPr lang="en-US" sz="3600" dirty="0"/>
+              <a:rPr lang="en-US" sz="3600"/>
             </a:br>
             <a:r>
-              <a:rPr lang="en-US" sz="3600" dirty="0"/>
+              <a:rPr lang="en-US" sz="3600"/>
               <a:t>since 2005</a:t>
             </a:r>
             <a:br>
-              <a:rPr lang="en-US" sz="3600" dirty="0"/>
+              <a:rPr lang="en-US" sz="3600"/>
             </a:br>
-            <a:endParaRPr lang="en-US" sz="900" dirty="0"/>
+            <a:endParaRPr lang="en-US" sz="900"/>
           </a:p>
           <a:p>
             <a:pPr marL="571500" lvl="0" indent="-571500">
@@ -5055,10 +5147,10 @@
               <a:buChar char="•"/>
             </a:pPr>
             <a:r>
-              <a:rPr lang="en-US" sz="3200" dirty="0"/>
+              <a:rPr lang="en-US" sz="3200"/>
               <a:t>microsoft-ssis.blogspot.com</a:t>
             </a:r>
-            <a:endParaRPr lang="en-US" sz="3200" dirty="0">
+            <a:endParaRPr lang="en-US" sz="3200">
               <a:cs typeface="Calibri"/>
             </a:endParaRPr>
           </a:p>
@@ -5068,10 +5160,10 @@
               <a:buChar char="•"/>
             </a:pPr>
             <a:r>
-              <a:rPr lang="en-US" sz="3200" dirty="0"/>
+              <a:rPr lang="en-US" sz="3200"/>
               <a:t>microsoft-bitools.blogspot.com</a:t>
             </a:r>
-            <a:endParaRPr lang="en-US" sz="3200" dirty="0">
+            <a:endParaRPr lang="en-US" sz="3200">
               <a:cs typeface="Calibri"/>
             </a:endParaRPr>
           </a:p>
@@ -5081,14 +5173,14 @@
               <a:buChar char="•"/>
             </a:pPr>
             <a:r>
-              <a:rPr lang="en-US" sz="3200" dirty="0"/>
+              <a:rPr lang="en-US" sz="3200"/>
               <a:t>@</a:t>
             </a:r>
             <a:r>
-              <a:rPr lang="en-US" sz="3200" dirty="0" err="1"/>
+              <a:rPr lang="en-US" sz="3200" err="1"/>
               <a:t>SSISJoost</a:t>
             </a:r>
-            <a:endParaRPr lang="en-US" sz="3200" dirty="0"/>
+            <a:endParaRPr lang="en-US" sz="3200"/>
           </a:p>
           <a:p>
             <a:pPr marL="571500" lvl="0" indent="-571500">
@@ -5096,13 +5188,13 @@
               <a:buChar char="•"/>
             </a:pPr>
             <a:r>
-              <a:rPr lang="en-US" sz="3200" dirty="0">
+              <a:rPr lang="en-US" sz="3200">
                 <a:ea typeface="+mn-lt"/>
                 <a:cs typeface="+mn-lt"/>
               </a:rPr>
               <a:t>www.linkedin.com/in/joostvanrossum</a:t>
             </a:r>
-            <a:endParaRPr lang="en-US" sz="3200" dirty="0"/>
+            <a:endParaRPr lang="en-US" sz="3200"/>
           </a:p>
           <a:p>
             <a:pPr marL="571500" lvl="0" indent="-571500">
@@ -5110,21 +5202,21 @@
               <a:buChar char="•"/>
             </a:pPr>
             <a:r>
-              <a:rPr lang="en-US" sz="3200" dirty="0"/>
+              <a:rPr lang="en-US" sz="3200"/>
               <a:t>Data Platform MVP since 2014</a:t>
             </a:r>
-            <a:endParaRPr lang="en-US" sz="3600" dirty="0"/>
+            <a:endParaRPr lang="en-US" sz="3600"/>
           </a:p>
           <a:p>
             <a:pPr marL="571500" lvl="0" indent="-571500">
               <a:buFont typeface="Arial" panose="020B0604020202020204" pitchFamily="34" charset="0"/>
               <a:buChar char="•"/>
             </a:pPr>
-            <a:endParaRPr lang="en-US" sz="1200" dirty="0"/>
+            <a:endParaRPr lang="en-US" sz="1200"/>
           </a:p>
           <a:p>
             <a:pPr lvl="0"/>
-            <a:endParaRPr lang="x-none" sz="3600" dirty="0"/>
+            <a:endParaRPr lang="x-none" sz="3600"/>
           </a:p>
         </p:txBody>
       </p:sp>
@@ -5324,6 +5416,9 @@
                     <p:cTn id="3" fill="hold">
                       <p:stCondLst>
                         <p:cond delay="indefinite"/>
+                        <p:cond evt="onBegin" delay="0">
+                          <p:tn val="2"/>
+                        </p:cond>
                       </p:stCondLst>
                       <p:childTnLst>
                         <p:par>
@@ -5333,7 +5428,7 @@
                             </p:stCondLst>
                             <p:childTnLst>
                               <p:par>
-                                <p:cTn id="5" presetID="1" presetClass="entr" presetSubtype="0" fill="hold" nodeType="clickEffect">
+                                <p:cTn id="5" presetID="1" presetClass="entr" presetSubtype="0" fill="hold" nodeType="withEffect">
                                   <p:stCondLst>
                                     <p:cond delay="0"/>
                                   </p:stCondLst>
@@ -5363,33 +5458,15 @@
                                   </p:childTnLst>
                                 </p:cTn>
                               </p:par>
-                            </p:childTnLst>
-                          </p:cTn>
-                        </p:par>
-                      </p:childTnLst>
-                    </p:cTn>
-                  </p:par>
-                  <p:par>
-                    <p:cTn id="7" fill="hold">
-                      <p:stCondLst>
-                        <p:cond delay="indefinite"/>
-                      </p:stCondLst>
-                      <p:childTnLst>
-                        <p:par>
-                          <p:cTn id="8" fill="hold">
-                            <p:stCondLst>
-                              <p:cond delay="0"/>
-                            </p:stCondLst>
-                            <p:childTnLst>
                               <p:par>
-                                <p:cTn id="9" presetID="1" presetClass="entr" presetSubtype="0" fill="hold" nodeType="clickEffect">
+                                <p:cTn id="7" presetID="1" presetClass="entr" presetSubtype="0" fill="hold" nodeType="withEffect">
                                   <p:stCondLst>
                                     <p:cond delay="0"/>
                                   </p:stCondLst>
                                   <p:childTnLst>
                                     <p:set>
                                       <p:cBhvr>
-                                        <p:cTn id="10" dur="1" fill="hold">
+                                        <p:cTn id="8" dur="1" fill="hold">
                                           <p:stCondLst>
                                             <p:cond delay="0"/>
                                           </p:stCondLst>
@@ -5419,19 +5496,50 @@
                     </p:cTn>
                   </p:par>
                   <p:par>
-                    <p:cTn id="11" fill="hold">
+                    <p:cTn id="9" fill="hold">
                       <p:stCondLst>
                         <p:cond delay="indefinite"/>
                       </p:stCondLst>
                       <p:childTnLst>
                         <p:par>
-                          <p:cTn id="12" fill="hold">
+                          <p:cTn id="10" fill="hold">
                             <p:stCondLst>
                               <p:cond delay="0"/>
                             </p:stCondLst>
                             <p:childTnLst>
                               <p:par>
-                                <p:cTn id="13" presetID="1" presetClass="entr" presetSubtype="0" fill="hold" nodeType="clickEffect">
+                                <p:cTn id="11" presetID="1" presetClass="entr" presetSubtype="0" fill="hold" nodeType="clickEffect">
+                                  <p:stCondLst>
+                                    <p:cond delay="0"/>
+                                  </p:stCondLst>
+                                  <p:childTnLst>
+                                    <p:set>
+                                      <p:cBhvr>
+                                        <p:cTn id="12" dur="1" fill="hold">
+                                          <p:stCondLst>
+                                            <p:cond delay="0"/>
+                                          </p:stCondLst>
+                                        </p:cTn>
+                                        <p:tgtEl>
+                                          <p:spTgt spid="6">
+                                            <p:txEl>
+                                              <p:pRg st="3" end="3"/>
+                                            </p:txEl>
+                                          </p:spTgt>
+                                        </p:tgtEl>
+                                        <p:attrNameLst>
+                                          <p:attrName>style.visibility</p:attrName>
+                                        </p:attrNameLst>
+                                      </p:cBhvr>
+                                      <p:to>
+                                        <p:strVal val="visible"/>
+                                      </p:to>
+                                    </p:set>
+                                  </p:childTnLst>
+                                </p:cTn>
+                              </p:par>
+                              <p:par>
+                                <p:cTn id="13" presetID="1" presetClass="entr" presetSubtype="0" fill="hold" nodeType="withEffect">
                                   <p:stCondLst>
                                     <p:cond delay="0"/>
                                   </p:stCondLst>
@@ -5446,7 +5554,7 @@
                                         <p:tgtEl>
                                           <p:spTgt spid="6">
                                             <p:txEl>
-                                              <p:pRg st="3" end="3"/>
+                                              <p:pRg st="4" end="4"/>
                                             </p:txEl>
                                           </p:spTgt>
                                         </p:tgtEl>
@@ -5477,7 +5585,7 @@
                                         <p:tgtEl>
                                           <p:spTgt spid="6">
                                             <p:txEl>
-                                              <p:pRg st="4" end="4"/>
+                                              <p:pRg st="5" end="5"/>
                                             </p:txEl>
                                           </p:spTgt>
                                         </p:tgtEl>
@@ -5508,7 +5616,7 @@
                                         <p:tgtEl>
                                           <p:spTgt spid="6">
                                             <p:txEl>
-                                              <p:pRg st="5" end="5"/>
+                                              <p:pRg st="6" end="6"/>
                                             </p:txEl>
                                           </p:spTgt>
                                         </p:tgtEl>
@@ -5539,7 +5647,7 @@
                                         <p:tgtEl>
                                           <p:spTgt spid="6">
                                             <p:txEl>
-                                              <p:pRg st="6" end="6"/>
+                                              <p:pRg st="7" end="7"/>
                                             </p:txEl>
                                           </p:spTgt>
                                         </p:tgtEl>
@@ -5568,11 +5676,7 @@
                                           </p:stCondLst>
                                         </p:cTn>
                                         <p:tgtEl>
-                                          <p:spTgt spid="6">
-                                            <p:txEl>
-                                              <p:pRg st="7" end="7"/>
-                                            </p:txEl>
-                                          </p:spTgt>
+                                          <p:spTgt spid="8"/>
                                         </p:tgtEl>
                                         <p:attrNameLst>
                                           <p:attrName>style.visibility</p:attrName>
@@ -5599,7 +5703,7 @@
                                           </p:stCondLst>
                                         </p:cTn>
                                         <p:tgtEl>
-                                          <p:spTgt spid="8"/>
+                                          <p:spTgt spid="10"/>
                                         </p:tgtEl>
                                         <p:attrNameLst>
                                           <p:attrName>style.visibility</p:attrName>
@@ -5626,7 +5730,7 @@
                                           </p:stCondLst>
                                         </p:cTn>
                                         <p:tgtEl>
-                                          <p:spTgt spid="10"/>
+                                          <p:spTgt spid="7"/>
                                         </p:tgtEl>
                                         <p:attrNameLst>
                                           <p:attrName>style.visibility</p:attrName>
@@ -5653,7 +5757,7 @@
                                           </p:stCondLst>
                                         </p:cTn>
                                         <p:tgtEl>
-                                          <p:spTgt spid="7"/>
+                                          <p:spTgt spid="9"/>
                                         </p:tgtEl>
                                         <p:attrNameLst>
                                           <p:attrName>style.visibility</p:attrName>
@@ -5675,33 +5779,6 @@
                                     <p:set>
                                       <p:cBhvr>
                                         <p:cTn id="30" dur="1" fill="hold">
-                                          <p:stCondLst>
-                                            <p:cond delay="0"/>
-                                          </p:stCondLst>
-                                        </p:cTn>
-                                        <p:tgtEl>
-                                          <p:spTgt spid="9"/>
-                                        </p:tgtEl>
-                                        <p:attrNameLst>
-                                          <p:attrName>style.visibility</p:attrName>
-                                        </p:attrNameLst>
-                                      </p:cBhvr>
-                                      <p:to>
-                                        <p:strVal val="visible"/>
-                                      </p:to>
-                                    </p:set>
-                                  </p:childTnLst>
-                                </p:cTn>
-                              </p:par>
-                              <p:par>
-                                <p:cTn id="31" presetID="1" presetClass="entr" presetSubtype="0" fill="hold" nodeType="withEffect">
-                                  <p:stCondLst>
-                                    <p:cond delay="0"/>
-                                  </p:stCondLst>
-                                  <p:childTnLst>
-                                    <p:set>
-                                      <p:cBhvr>
-                                        <p:cTn id="32" dur="1" fill="hold">
                                           <p:stCondLst>
                                             <p:cond delay="0"/>
                                           </p:stCondLst>
@@ -5816,7 +5893,7 @@
           <a:lstStyle/>
           <a:p>
             <a:pPr algn="ctr"/>
-            <a:endParaRPr lang="en-US" sz="680" dirty="0"/>
+            <a:endParaRPr lang="en-US" sz="680"/>
           </a:p>
         </p:txBody>
       </p:sp>
@@ -5889,7 +5966,7 @@
           <a:p>
             <a:pPr defTabSz="207328"/>
             <a:r>
-              <a:rPr lang="en-US" sz="2800" dirty="0">
+              <a:rPr lang="en-US" sz="2800">
                 <a:solidFill>
                   <a:schemeClr val="bg1"/>
                 </a:solidFill>
@@ -5899,7 +5976,7 @@
               <a:t>Analytics in a day workshop </a:t>
             </a:r>
             <a:br>
-              <a:rPr lang="en-US" dirty="0">
+              <a:rPr lang="en-US">
                 <a:solidFill>
                   <a:srgbClr val="0078D4"/>
                 </a:solidFill>
@@ -5908,7 +5985,7 @@
               </a:rPr>
             </a:br>
             <a:r>
-              <a:rPr lang="en-US" sz="1600" dirty="0" err="1">
+              <a:rPr lang="en-US" sz="1600" err="1">
                 <a:solidFill>
                   <a:srgbClr val="50E6FF"/>
                 </a:solidFill>
@@ -5917,7 +5994,7 @@
               </a:rPr>
               <a:t>Wifi</a:t>
             </a:r>
-            <a:endParaRPr lang="en-US" dirty="0">
+            <a:endParaRPr lang="en-US">
               <a:solidFill>
                 <a:srgbClr val="50E6FF"/>
               </a:solidFill>
@@ -5942,47 +6019,47 @@
         <p:spPr>
           <a:xfrm>
             <a:off x="144544" y="1872228"/>
-            <a:ext cx="11224182" cy="1508105"/>
+            <a:ext cx="11224182" cy="2862322"/>
           </a:xfrm>
           <a:prstGeom prst="rect">
             <a:avLst/>
           </a:prstGeom>
         </p:spPr>
         <p:txBody>
-          <a:bodyPr wrap="square">
+          <a:bodyPr wrap="square" anchor="t">
             <a:spAutoFit/>
           </a:bodyPr>
           <a:lstStyle/>
           <a:p>
             <a:r>
-              <a:rPr lang="en-US" sz="4400" b="1" dirty="0" err="1">
+              <a:rPr lang="en-US" sz="4400" b="1" err="1">
                 <a:latin typeface="Segoe UI Semibold" panose="020B0702040204020203" pitchFamily="34" charset="0"/>
                 <a:cs typeface="Segoe UI Semibold" panose="020B0702040204020203" pitchFamily="34" charset="0"/>
               </a:rPr>
               <a:t>Wifi</a:t>
             </a:r>
             <a:r>
-              <a:rPr lang="en-US" sz="4400" b="1" dirty="0">
+              <a:rPr lang="en-US" sz="4400" b="1">
                 <a:latin typeface="Segoe UI Semibold" panose="020B0702040204020203" pitchFamily="34" charset="0"/>
                 <a:cs typeface="Segoe UI Semibold" panose="020B0702040204020203" pitchFamily="34" charset="0"/>
               </a:rPr>
               <a:t> </a:t>
             </a:r>
             <a:r>
-              <a:rPr lang="en-US" sz="4400" b="1" dirty="0" err="1">
+              <a:rPr lang="en-US" sz="4400" b="1" err="1">
                 <a:latin typeface="Segoe UI Semibold" panose="020B0702040204020203" pitchFamily="34" charset="0"/>
                 <a:cs typeface="Segoe UI Semibold" panose="020B0702040204020203" pitchFamily="34" charset="0"/>
               </a:rPr>
               <a:t>eventcode</a:t>
             </a:r>
             <a:r>
-              <a:rPr lang="en-US" sz="4400" b="1" dirty="0">
+              <a:rPr lang="en-US" sz="4400" b="1">
                 <a:latin typeface="Segoe UI Semibold" panose="020B0702040204020203" pitchFamily="34" charset="0"/>
                 <a:cs typeface="Segoe UI Semibold" panose="020B0702040204020203" pitchFamily="34" charset="0"/>
               </a:rPr>
               <a:t>: msevent771tz</a:t>
             </a:r>
-            <a:endParaRPr lang="en-GB" sz="4400" dirty="0">
+            <a:endParaRPr lang="en-GB" sz="4400">
               <a:solidFill>
                 <a:srgbClr val="333333"/>
               </a:solidFill>
@@ -5991,15 +6068,36 @@
             </a:endParaRPr>
           </a:p>
           <a:p>
-            <a:pPr indent="-129">
+            <a:pPr>
               <a:lnSpc>
                 <a:spcPct val="100000"/>
               </a:lnSpc>
+            </a:pPr>
+            <a:endParaRPr lang="en-US" sz="4400" b="1">
+              <a:latin typeface="Segoe UI Semibold" panose="020B0702040204020203" pitchFamily="34" charset="0"/>
+              <a:cs typeface="Segoe UI Semibold" panose="020B0702040204020203" pitchFamily="34" charset="0"/>
+            </a:endParaRPr>
+          </a:p>
+          <a:p>
+            <a:r>
+              <a:rPr lang="en-US" sz="4400" b="1">
+                <a:latin typeface="Segoe UI Semibold"/>
+                <a:cs typeface="Segoe UI Semibold"/>
+              </a:rPr>
+              <a:t>Slides: https://github.com/janremko/airlift</a:t>
+            </a:r>
+            <a:endParaRPr lang="en-US" sz="4400" b="1">
+              <a:latin typeface="Segoe UI Semibold" panose="020B0702040204020203" pitchFamily="34" charset="0"/>
+              <a:cs typeface="Segoe UI Semibold" panose="020B0702040204020203" pitchFamily="34" charset="0"/>
+            </a:endParaRPr>
+          </a:p>
+          <a:p>
+            <a:pPr indent="-129">
               <a:spcAft>
                 <a:spcPts val="200"/>
               </a:spcAft>
             </a:pPr>
-            <a:endParaRPr lang="en-NL" sz="4800" dirty="0">
+            <a:endParaRPr lang="en-NL" sz="4800">
               <a:latin typeface="Segoe UI Semibold" panose="020B0702040204020203" pitchFamily="34" charset="0"/>
               <a:cs typeface="Segoe UI Semibold" panose="020B0702040204020203" pitchFamily="34" charset="0"/>
             </a:endParaRPr>
@@ -6084,7 +6182,7 @@
           <a:lstStyle/>
           <a:p>
             <a:pPr algn="ctr"/>
-            <a:endParaRPr lang="en-US" sz="680" dirty="0"/>
+            <a:endParaRPr lang="en-US" sz="680"/>
           </a:p>
         </p:txBody>
       </p:sp>
@@ -6157,7 +6255,7 @@
           <a:p>
             <a:pPr defTabSz="207328"/>
             <a:r>
-              <a:rPr lang="en-US" sz="2800" dirty="0">
+              <a:rPr lang="en-US" sz="2800">
                 <a:solidFill>
                   <a:schemeClr val="bg1"/>
                 </a:solidFill>
@@ -6167,7 +6265,7 @@
               <a:t>Analytics in a day workshop </a:t>
             </a:r>
             <a:br>
-              <a:rPr lang="en-US" dirty="0">
+              <a:rPr lang="en-US">
                 <a:solidFill>
                   <a:srgbClr val="0078D4"/>
                 </a:solidFill>
@@ -6176,7 +6274,7 @@
               </a:rPr>
             </a:br>
             <a:r>
-              <a:rPr lang="en-US" sz="1600" dirty="0">
+              <a:rPr lang="en-US" sz="1600">
                 <a:solidFill>
                   <a:srgbClr val="50E6FF"/>
                 </a:solidFill>
@@ -6185,7 +6283,7 @@
               </a:rPr>
               <a:t>Lab guidance</a:t>
             </a:r>
-            <a:endParaRPr lang="en-US" dirty="0">
+            <a:endParaRPr lang="en-US">
               <a:solidFill>
                 <a:srgbClr val="50E6FF"/>
               </a:solidFill>
@@ -6210,7 +6308,7 @@
         <p:spPr>
           <a:xfrm>
             <a:off x="144544" y="1872228"/>
-            <a:ext cx="11224182" cy="4503797"/>
+            <a:ext cx="11224182" cy="3170099"/>
           </a:xfrm>
           <a:prstGeom prst="rect">
             <a:avLst/>
@@ -6223,14 +6321,29 @@
           <a:lstStyle/>
           <a:p>
             <a:r>
-              <a:rPr lang="en-US" sz="2000" b="1" dirty="0">
+              <a:rPr lang="en-US" sz="2000" b="1">
                 <a:latin typeface="Segoe UI Semibold" panose="020B0702040204020203" pitchFamily="34" charset="0"/>
                 <a:cs typeface="Segoe UI Semibold" panose="020B0702040204020203" pitchFamily="34" charset="0"/>
               </a:rPr>
-              <a:t>Lab 1: </a:t>
-            </a:r>
-            <a:r>
-              <a:rPr lang="en-US" sz="2000" b="1" dirty="0">
+              <a:t>Register Azure environment for the two labs</a:t>
+            </a:r>
+          </a:p>
+          <a:p>
+            <a:endParaRPr lang="en-US" sz="2000" b="1">
+              <a:latin typeface="Segoe UI Semibold" panose="020B0702040204020203" pitchFamily="34" charset="0"/>
+              <a:cs typeface="Segoe UI Semibold" panose="020B0702040204020203" pitchFamily="34" charset="0"/>
+            </a:endParaRPr>
+          </a:p>
+          <a:p>
+            <a:r>
+              <a:rPr lang="en-US" sz="2000" b="1">
+                <a:latin typeface="Segoe UI Semibold" panose="020B0702040204020203" pitchFamily="34" charset="0"/>
+                <a:cs typeface="Segoe UI Semibold" panose="020B0702040204020203" pitchFamily="34" charset="0"/>
+              </a:rPr>
+              <a:t>Lab 1: 	</a:t>
+            </a:r>
+            <a:r>
+              <a:rPr lang="en-US" sz="2000" b="1">
                 <a:latin typeface="Segoe UI Semibold" panose="020B0702040204020203" pitchFamily="34" charset="0"/>
                 <a:cs typeface="Segoe UI Semibold" panose="020B0702040204020203" pitchFamily="34" charset="0"/>
                 <a:hlinkClick r:id="rId3"/>
@@ -6238,14 +6351,14 @@
               <a:t>Analytics in a Day - Building a Modern Data Warehouse </a:t>
             </a:r>
             <a:r>
-              <a:rPr lang="en-US" sz="2000" b="1" dirty="0">
+              <a:rPr lang="en-US" sz="2000" b="1">
                 <a:latin typeface="Segoe UI Semibold" panose="020B0702040204020203" pitchFamily="34" charset="0"/>
                 <a:cs typeface="Segoe UI Semibold" panose="020B0702040204020203" pitchFamily="34" charset="0"/>
               </a:rPr>
-              <a:t>		</a:t>
-            </a:r>
-            <a:r>
-              <a:rPr lang="en-US" sz="2000" b="1" dirty="0">
+              <a:t>	</a:t>
+            </a:r>
+            <a:r>
+              <a:rPr lang="en-US" sz="2000" b="1">
                 <a:solidFill>
                   <a:srgbClr val="0078D4"/>
                 </a:solidFill>
@@ -6255,7 +6368,7 @@
               <a:t>2 hours </a:t>
             </a:r>
             <a:br>
-              <a:rPr lang="en-US" sz="2000" b="1" dirty="0">
+              <a:rPr lang="en-US" sz="2000" b="1">
                 <a:solidFill>
                   <a:srgbClr val="0078D4"/>
                 </a:solidFill>
@@ -6263,7 +6376,48 @@
                 <a:cs typeface="Segoe UI Semibold" panose="020B0702040204020203" pitchFamily="34" charset="0"/>
               </a:rPr>
             </a:br>
-            <a:endParaRPr lang="en-US" sz="2000" b="1" dirty="0">
+            <a:r>
+              <a:rPr lang="en-US" sz="2000" b="1">
+                <a:latin typeface="Segoe UI Semibold" panose="020B0702040204020203" pitchFamily="34" charset="0"/>
+                <a:cs typeface="Segoe UI Semibold" panose="020B0702040204020203" pitchFamily="34" charset="0"/>
+              </a:rPr>
+              <a:t>Lab 2: 	</a:t>
+            </a:r>
+            <a:r>
+              <a:rPr lang="en-US" sz="2000" b="1">
+                <a:latin typeface="Segoe UI Semibold" panose="020B0702040204020203" pitchFamily="34" charset="0"/>
+                <a:cs typeface="Segoe UI Semibold" panose="020B0702040204020203" pitchFamily="34" charset="0"/>
+                <a:hlinkClick r:id="rId4"/>
+              </a:rPr>
+              <a:t>Analytics in a Day - Deep Dive on Azure Synapse Analytics</a:t>
+            </a:r>
+            <a:r>
+              <a:rPr lang="en-US" sz="2000" b="1">
+                <a:latin typeface="Segoe UI Semibold" panose="020B0702040204020203" pitchFamily="34" charset="0"/>
+                <a:cs typeface="Segoe UI Semibold" panose="020B0702040204020203" pitchFamily="34" charset="0"/>
+              </a:rPr>
+              <a:t>	</a:t>
+            </a:r>
+            <a:r>
+              <a:rPr lang="en-US" sz="2000" b="1">
+                <a:solidFill>
+                  <a:srgbClr val="0078D4"/>
+                </a:solidFill>
+                <a:latin typeface="Segoe UI Semibold" panose="020B0702040204020203" pitchFamily="34" charset="0"/>
+                <a:cs typeface="Segoe UI Semibold" panose="020B0702040204020203" pitchFamily="34" charset="0"/>
+              </a:rPr>
+              <a:t>1 hour 30 minutes</a:t>
+            </a:r>
+            <a:br>
+              <a:rPr lang="en-US" sz="2000" b="1">
+                <a:solidFill>
+                  <a:srgbClr val="0078D4"/>
+                </a:solidFill>
+                <a:latin typeface="Segoe UI Semibold" panose="020B0702040204020203" pitchFamily="34" charset="0"/>
+                <a:cs typeface="Segoe UI Semibold" panose="020B0702040204020203" pitchFamily="34" charset="0"/>
+              </a:rPr>
+            </a:br>
+            <a:endParaRPr lang="en-US" sz="2000" b="1">
               <a:solidFill>
                 <a:srgbClr val="0078D4"/>
               </a:solidFill>
@@ -6272,12 +6426,21 @@
             </a:endParaRPr>
           </a:p>
           <a:p>
+            <a:endParaRPr lang="en-US" sz="2000" b="1">
+              <a:solidFill>
+                <a:srgbClr val="0078D4"/>
+              </a:solidFill>
+              <a:latin typeface="Segoe UI Semibold" panose="020B0702040204020203" pitchFamily="34" charset="0"/>
+              <a:cs typeface="Segoe UI Semibold" panose="020B0702040204020203" pitchFamily="34" charset="0"/>
+            </a:endParaRPr>
+          </a:p>
+          <a:p>
             <a:pPr marL="742950" lvl="1" indent="-285750">
               <a:buFont typeface="Arial" panose="020B0604020202020204" pitchFamily="34" charset="0"/>
               <a:buChar char="•"/>
             </a:pPr>
             <a:r>
-              <a:rPr lang="en-GB" sz="2000" dirty="0">
+              <a:rPr lang="en-GB" sz="2000">
                 <a:solidFill>
                   <a:srgbClr val="333333"/>
                 </a:solidFill>
@@ -6287,18 +6450,17 @@
               <a:t>Link to Register: </a:t>
             </a:r>
             <a:r>
-              <a:rPr lang="en-GB" sz="2000" dirty="0">
+              <a:rPr lang="en-GB" sz="2000">
                 <a:solidFill>
                   <a:srgbClr val="13548D"/>
                 </a:solidFill>
                 <a:latin typeface="Segoe UI Semibold" panose="020B0702040204020203" pitchFamily="34" charset="0"/>
                 <a:cs typeface="Segoe UI Semibold" panose="020B0702040204020203" pitchFamily="34" charset="0"/>
-                <a:hlinkClick r:id="rId4" tooltip="Link to Register"/>
               </a:rPr>
-              <a:t>http://bit.ly/35J7xsM</a:t>
+              <a:t>http://bit.ly/32EGkI9 </a:t>
             </a:r>
             <a:br>
-              <a:rPr lang="en-GB" sz="2000" dirty="0">
+              <a:rPr lang="en-GB" sz="2000">
                 <a:solidFill>
                   <a:srgbClr val="13548D"/>
                 </a:solidFill>
@@ -6306,7 +6468,7 @@
                 <a:cs typeface="Segoe UI Semibold" panose="020B0702040204020203" pitchFamily="34" charset="0"/>
               </a:rPr>
             </a:br>
-            <a:endParaRPr lang="en-GB" sz="2000" dirty="0">
+            <a:endParaRPr lang="en-GB" sz="2000">
               <a:solidFill>
                 <a:srgbClr val="333333"/>
               </a:solidFill>
@@ -6320,14 +6482,14 @@
               <a:buChar char="•"/>
             </a:pPr>
             <a:r>
-              <a:rPr lang="en-GB" sz="2000" dirty="0">
+              <a:rPr lang="en-GB" sz="2000">
                 <a:solidFill>
                   <a:srgbClr val="333333"/>
                 </a:solidFill>
                 <a:latin typeface="Segoe UI Semibold" panose="020B0702040204020203" pitchFamily="34" charset="0"/>
                 <a:cs typeface="Segoe UI Semibold" panose="020B0702040204020203" pitchFamily="34" charset="0"/>
               </a:rPr>
-              <a:t>Activation Codes: ACTIVATE5392</a:t>
+              <a:t>Activation Codes: ACTIVATE5959</a:t>
             </a:r>
           </a:p>
           <a:p>
@@ -6339,175 +6501,7 @@
                 <a:spcPts val="200"/>
               </a:spcAft>
             </a:pPr>
-            <a:endParaRPr lang="en-US" sz="2000" b="1" dirty="0">
-              <a:solidFill>
-                <a:srgbClr val="0078D4"/>
-              </a:solidFill>
-              <a:latin typeface="Segoe UI Semibold" panose="020B0702040204020203" pitchFamily="34" charset="0"/>
-              <a:cs typeface="Segoe UI Semibold" panose="020B0702040204020203" pitchFamily="34" charset="0"/>
-            </a:endParaRPr>
-          </a:p>
-          <a:p>
-            <a:pPr indent="-129">
-              <a:lnSpc>
-                <a:spcPct val="100000"/>
-              </a:lnSpc>
-              <a:spcAft>
-                <a:spcPts val="200"/>
-              </a:spcAft>
-            </a:pPr>
-            <a:endParaRPr lang="en-US" sz="2000" b="1" dirty="0">
-              <a:solidFill>
-                <a:srgbClr val="0078D4"/>
-              </a:solidFill>
-              <a:latin typeface="Segoe UI Semibold" panose="020B0702040204020203" pitchFamily="34" charset="0"/>
-              <a:cs typeface="Segoe UI Semibold" panose="020B0702040204020203" pitchFamily="34" charset="0"/>
-            </a:endParaRPr>
-          </a:p>
-          <a:p>
-            <a:pPr indent="-129">
-              <a:lnSpc>
-                <a:spcPct val="100000"/>
-              </a:lnSpc>
-              <a:spcAft>
-                <a:spcPts val="200"/>
-              </a:spcAft>
-            </a:pPr>
-            <a:endParaRPr lang="en-US" sz="2000" b="1" dirty="0">
-              <a:solidFill>
-                <a:srgbClr val="0078D4"/>
-              </a:solidFill>
-              <a:latin typeface="Segoe UI Semibold" panose="020B0702040204020203" pitchFamily="34" charset="0"/>
-              <a:cs typeface="Segoe UI Semibold" panose="020B0702040204020203" pitchFamily="34" charset="0"/>
-            </a:endParaRPr>
-          </a:p>
-          <a:p>
-            <a:pPr indent="-129">
-              <a:lnSpc>
-                <a:spcPct val="100000"/>
-              </a:lnSpc>
-              <a:spcAft>
-                <a:spcPts val="200"/>
-              </a:spcAft>
-            </a:pPr>
-            <a:r>
-              <a:rPr lang="en-US" sz="2000" b="1" dirty="0">
-                <a:latin typeface="Segoe UI Semibold" panose="020B0702040204020203" pitchFamily="34" charset="0"/>
-                <a:cs typeface="Segoe UI Semibold" panose="020B0702040204020203" pitchFamily="34" charset="0"/>
-              </a:rPr>
-              <a:t>Lab 2: </a:t>
-            </a:r>
-            <a:r>
-              <a:rPr lang="en-US" sz="2000" b="1" dirty="0">
-                <a:latin typeface="Segoe UI Semibold" panose="020B0702040204020203" pitchFamily="34" charset="0"/>
-                <a:cs typeface="Segoe UI Semibold" panose="020B0702040204020203" pitchFamily="34" charset="0"/>
-                <a:hlinkClick r:id="rId5"/>
-              </a:rPr>
-              <a:t>Analytics in a Day - Deep Dive on Azure Synapse Analytics</a:t>
-            </a:r>
-            <a:r>
-              <a:rPr lang="en-US" sz="2000" b="1" dirty="0">
-                <a:latin typeface="Segoe UI Semibold" panose="020B0702040204020203" pitchFamily="34" charset="0"/>
-                <a:cs typeface="Segoe UI Semibold" panose="020B0702040204020203" pitchFamily="34" charset="0"/>
-              </a:rPr>
-              <a:t>	</a:t>
-            </a:r>
-            <a:r>
-              <a:rPr lang="en-US" sz="2000" b="1" dirty="0">
-                <a:solidFill>
-                  <a:srgbClr val="0078D4"/>
-                </a:solidFill>
-                <a:latin typeface="Segoe UI Semibold" panose="020B0702040204020203" pitchFamily="34" charset="0"/>
-                <a:cs typeface="Segoe UI Semibold" panose="020B0702040204020203" pitchFamily="34" charset="0"/>
-              </a:rPr>
-              <a:t>1 hour 30 minutes</a:t>
-            </a:r>
-            <a:br>
-              <a:rPr lang="en-US" sz="2000" b="1" dirty="0">
-                <a:solidFill>
-                  <a:srgbClr val="0078D4"/>
-                </a:solidFill>
-                <a:latin typeface="Segoe UI Semibold" panose="020B0702040204020203" pitchFamily="34" charset="0"/>
-                <a:cs typeface="Segoe UI Semibold" panose="020B0702040204020203" pitchFamily="34" charset="0"/>
-              </a:rPr>
-            </a:br>
-            <a:endParaRPr lang="en-US" sz="2000" b="1" dirty="0">
-              <a:solidFill>
-                <a:srgbClr val="0078D4"/>
-              </a:solidFill>
-              <a:latin typeface="Segoe UI Semibold" panose="020B0702040204020203" pitchFamily="34" charset="0"/>
-              <a:cs typeface="Segoe UI Semibold" panose="020B0702040204020203" pitchFamily="34" charset="0"/>
-            </a:endParaRPr>
-          </a:p>
-          <a:p>
-            <a:pPr marL="742950" lvl="1" indent="-285750">
-              <a:buFont typeface="Arial" panose="020B0604020202020204" pitchFamily="34" charset="0"/>
-              <a:buChar char="•"/>
-            </a:pPr>
-            <a:r>
-              <a:rPr lang="en-GB" sz="2000" dirty="0">
-                <a:solidFill>
-                  <a:srgbClr val="333333"/>
-                </a:solidFill>
-                <a:latin typeface="Segoe UI Semibold" panose="020B0702040204020203" pitchFamily="34" charset="0"/>
-                <a:cs typeface="Segoe UI Semibold" panose="020B0702040204020203" pitchFamily="34" charset="0"/>
-              </a:rPr>
-              <a:t>Link to Register: </a:t>
-            </a:r>
-            <a:r>
-              <a:rPr lang="en-GB" sz="2000" dirty="0">
-                <a:solidFill>
-                  <a:srgbClr val="13548D"/>
-                </a:solidFill>
-                <a:latin typeface="Segoe UI Semibold" panose="020B0702040204020203" pitchFamily="34" charset="0"/>
-                <a:cs typeface="Segoe UI Semibold" panose="020B0702040204020203" pitchFamily="34" charset="0"/>
-                <a:hlinkClick r:id="rId6" tooltip="Link to Register"/>
-              </a:rPr>
-              <a:t>http://bit.ly/2saXUW7</a:t>
-            </a:r>
-            <a:br>
-              <a:rPr lang="en-GB" sz="2000" dirty="0">
-                <a:solidFill>
-                  <a:srgbClr val="13548D"/>
-                </a:solidFill>
-                <a:latin typeface="Segoe UI Semibold" panose="020B0702040204020203" pitchFamily="34" charset="0"/>
-                <a:cs typeface="Segoe UI Semibold" panose="020B0702040204020203" pitchFamily="34" charset="0"/>
-              </a:rPr>
-            </a:br>
-            <a:endParaRPr lang="en-GB" sz="2000" dirty="0">
-              <a:solidFill>
-                <a:srgbClr val="333333"/>
-              </a:solidFill>
-              <a:latin typeface="Segoe UI Semibold" panose="020B0702040204020203" pitchFamily="34" charset="0"/>
-              <a:cs typeface="Segoe UI Semibold" panose="020B0702040204020203" pitchFamily="34" charset="0"/>
-            </a:endParaRPr>
-          </a:p>
-          <a:p>
-            <a:pPr marL="742950" lvl="1" indent="-285750">
-              <a:buFont typeface="Arial" panose="020B0604020202020204" pitchFamily="34" charset="0"/>
-              <a:buChar char="•"/>
-            </a:pPr>
-            <a:r>
-              <a:rPr lang="en-GB" sz="2000" dirty="0">
-                <a:solidFill>
-                  <a:srgbClr val="333333"/>
-                </a:solidFill>
-                <a:latin typeface="Segoe UI Semibold" panose="020B0702040204020203" pitchFamily="34" charset="0"/>
-                <a:cs typeface="Segoe UI Semibold" panose="020B0702040204020203" pitchFamily="34" charset="0"/>
-              </a:rPr>
-              <a:t>Activation Codes: ACTIVATE5385</a:t>
-            </a:r>
-          </a:p>
-          <a:p>
-            <a:pPr indent="-129">
-              <a:lnSpc>
-                <a:spcPct val="100000"/>
-              </a:lnSpc>
-              <a:spcAft>
-                <a:spcPts val="200"/>
-              </a:spcAft>
-            </a:pPr>
-            <a:endParaRPr lang="en-NL" sz="2000" dirty="0">
+            <a:endParaRPr lang="en-NL" sz="2000">
               <a:latin typeface="Segoe UI Semibold" panose="020B0702040204020203" pitchFamily="34" charset="0"/>
               <a:cs typeface="Segoe UI Semibold" panose="020B0702040204020203" pitchFamily="34" charset="0"/>
             </a:endParaRPr>
@@ -6592,7 +6586,7 @@
           <a:lstStyle/>
           <a:p>
             <a:pPr algn="ctr"/>
-            <a:endParaRPr lang="en-US" sz="680" dirty="0"/>
+            <a:endParaRPr lang="en-US" sz="680"/>
           </a:p>
         </p:txBody>
       </p:sp>
@@ -6665,7 +6659,7 @@
           <a:p>
             <a:pPr defTabSz="207328"/>
             <a:r>
-              <a:rPr lang="en-US" sz="2800" dirty="0">
+              <a:rPr lang="en-US" sz="2800">
                 <a:solidFill>
                   <a:schemeClr val="bg1"/>
                 </a:solidFill>
@@ -6675,7 +6669,7 @@
               <a:t>Analytics in a day workshop </a:t>
             </a:r>
             <a:br>
-              <a:rPr lang="en-US" dirty="0">
+              <a:rPr lang="en-US">
                 <a:solidFill>
                   <a:srgbClr val="0078D4"/>
                 </a:solidFill>
@@ -6684,7 +6678,7 @@
               </a:rPr>
             </a:br>
             <a:r>
-              <a:rPr lang="en-US" sz="1600" dirty="0">
+              <a:rPr lang="en-US" sz="1600">
                 <a:solidFill>
                   <a:srgbClr val="50E6FF"/>
                 </a:solidFill>
@@ -6693,7 +6687,7 @@
               </a:rPr>
               <a:t>Evaluation</a:t>
             </a:r>
-            <a:endParaRPr lang="en-US" dirty="0">
+            <a:endParaRPr lang="en-US">
               <a:solidFill>
                 <a:srgbClr val="50E6FF"/>
               </a:solidFill>
@@ -6731,7 +6725,7 @@
           <a:lstStyle/>
           <a:p>
             <a:r>
-              <a:rPr lang="en-US" sz="4400" b="1" dirty="0">
+              <a:rPr lang="en-US" sz="4400" b="1">
                 <a:latin typeface="Segoe UI Semibold" panose="020B0702040204020203" pitchFamily="34" charset="0"/>
                 <a:cs typeface="Segoe UI Semibold" panose="020B0702040204020203" pitchFamily="34" charset="0"/>
               </a:rPr>
@@ -6742,10 +6736,10 @@
       </p:sp>
       <p:pic>
         <p:nvPicPr>
-          <p:cNvPr id="1026" name="x_x_Picture 3">
-            <a:extLst>
-              <a:ext uri="{FF2B5EF4-FFF2-40B4-BE49-F238E27FC236}">
-                <a16:creationId xmlns:a16="http://schemas.microsoft.com/office/drawing/2014/main" id="{89442983-7C62-49AC-BE98-35B027DF40DB}"/>
+          <p:cNvPr id="2" name="Picture 1" descr="image002">
+            <a:extLst>
+              <a:ext uri="{FF2B5EF4-FFF2-40B4-BE49-F238E27FC236}">
+                <a16:creationId xmlns:a16="http://schemas.microsoft.com/office/drawing/2014/main" id="{F0E5E754-6A53-4E60-A12E-C411AC9788CF}"/>
               </a:ext>
             </a:extLst>
           </p:cNvPr>
@@ -6769,8 +6763,8 @@
         </p:blipFill>
         <p:spPr bwMode="auto">
           <a:xfrm>
-            <a:off x="4599520" y="3001764"/>
-            <a:ext cx="2992960" cy="2992960"/>
+            <a:off x="4712343" y="3267728"/>
+            <a:ext cx="2767313" cy="2767313"/>
           </a:xfrm>
           <a:prstGeom prst="rect">
             <a:avLst/>
@@ -7258,17 +7252,17 @@
 <file path=customXml/itemProps1.xml><?xml version="1.0" encoding="utf-8"?>
 <ds:datastoreItem xmlns:ds="http://schemas.openxmlformats.org/officeDocument/2006/customXml" ds:itemID="{DC37D114-636A-4758-831C-0A7758C51873}">
   <ds:schemaRefs>
-    <ds:schemaRef ds:uri="http://schemas.microsoft.com/office/2006/metadata/contentType"/>
-    <ds:schemaRef ds:uri="http://schemas.microsoft.com/office/2006/metadata/properties/metaAttributes"/>
-    <ds:schemaRef ds:uri="http://www.w3.org/2001/XMLSchema"/>
-    <ds:schemaRef ds:uri="http://schemas.microsoft.com/office/2006/metadata/properties"/>
     <ds:schemaRef ds:uri="3bd44ffa-73c8-4b3f-98c1-6a383c9b1275"/>
-    <ds:schemaRef ds:uri="http://schemas.microsoft.com/office/2006/documentManagement/types"/>
-    <ds:schemaRef ds:uri="http://schemas.microsoft.com/office/infopath/2007/PartnerControls"/>
-    <ds:schemaRef ds:uri="http://schemas.openxmlformats.org/package/2006/metadata/core-properties"/>
     <ds:schemaRef ds:uri="http://purl.org/dc/elements/1.1/"/>
     <ds:schemaRef ds:uri="http://purl.org/dc/terms/"/>
     <ds:schemaRef ds:uri="http://schemas.microsoft.com/internal/obd"/>
+    <ds:schemaRef ds:uri="http://schemas.microsoft.com/office/2006/documentManagement/types"/>
+    <ds:schemaRef ds:uri="http://schemas.microsoft.com/office/2006/metadata/contentType"/>
+    <ds:schemaRef ds:uri="http://schemas.microsoft.com/office/2006/metadata/properties"/>
+    <ds:schemaRef ds:uri="http://schemas.microsoft.com/office/2006/metadata/properties/metaAttributes"/>
+    <ds:schemaRef ds:uri="http://schemas.microsoft.com/office/infopath/2007/PartnerControls"/>
+    <ds:schemaRef ds:uri="http://schemas.openxmlformats.org/package/2006/metadata/core-properties"/>
+    <ds:schemaRef ds:uri="http://www.w3.org/2001/XMLSchema"/>
   </ds:schemaRefs>
 </ds:datastoreItem>
 </file>
@@ -7276,15 +7270,15 @@
 <file path=customXml/itemProps2.xml><?xml version="1.0" encoding="utf-8"?>
 <ds:datastoreItem xmlns:ds="http://schemas.openxmlformats.org/officeDocument/2006/customXml" ds:itemID="{702A2BF9-F4D8-4E65-9BB1-4277F1413E45}">
   <ds:schemaRefs>
+    <ds:schemaRef ds:uri="3bd44ffa-73c8-4b3f-98c1-6a383c9b1275"/>
+    <ds:schemaRef ds:uri="http://purl.org/dc/dcmitype/"/>
+    <ds:schemaRef ds:uri="http://purl.org/dc/elements/1.1/"/>
+    <ds:schemaRef ds:uri="http://purl.org/dc/terms/"/>
     <ds:schemaRef ds:uri="http://schemas.microsoft.com/office/2006/documentManagement/types"/>
     <ds:schemaRef ds:uri="http://schemas.microsoft.com/office/2006/metadata/properties"/>
-    <ds:schemaRef ds:uri="http://purl.org/dc/elements/1.1/"/>
+    <ds:schemaRef ds:uri="http://schemas.microsoft.com/office/infopath/2007/PartnerControls"/>
     <ds:schemaRef ds:uri="http://schemas.openxmlformats.org/package/2006/metadata/core-properties"/>
     <ds:schemaRef ds:uri="http://www.w3.org/XML/1998/namespace"/>
-    <ds:schemaRef ds:uri="http://purl.org/dc/terms/"/>
-    <ds:schemaRef ds:uri="http://schemas.microsoft.com/office/infopath/2007/PartnerControls"/>
-    <ds:schemaRef ds:uri="3bd44ffa-73c8-4b3f-98c1-6a383c9b1275"/>
-    <ds:schemaRef ds:uri="http://purl.org/dc/dcmitype/"/>
   </ds:schemaRefs>
 </ds:datastoreItem>
 </file>
